--- a/ProjectDoc/개체관계도_송도윤.pptx
+++ b/ProjectDoc/개체관계도_송도윤.pptx
@@ -3103,7 +3103,7 @@
         </p:nvSpPr>
         <p:spPr>
           <a:xfrm>
-            <a:off x="1961312" y="1704218"/>
+            <a:off x="1965445" y="1703949"/>
             <a:ext cx="951140" cy="367466"/>
           </a:xfrm>
           <a:prstGeom prst="rect">
@@ -3200,14 +3200,14 @@
           <a:p>
             <a:pPr algn="ctr"/>
             <a:r>
-              <a:rPr lang="ko-KR" altLang="en-US" sz="1000" dirty="0" smtClean="0">
+              <a:rPr lang="ko-KR" altLang="en-US" sz="1000" b="1" u="sng" dirty="0" smtClean="0">
                 <a:solidFill>
                   <a:schemeClr val="tx1"/>
                 </a:solidFill>
               </a:rPr>
               <a:t>회원번호</a:t>
             </a:r>
-            <a:endParaRPr lang="ko-KR" altLang="en-US" sz="1000" dirty="0">
+            <a:endParaRPr lang="ko-KR" altLang="en-US" sz="1000" b="1" u="sng" dirty="0">
               <a:solidFill>
                 <a:schemeClr val="tx1"/>
               </a:solidFill>
@@ -4220,8 +4220,8 @@
         </p:nvCxnSpPr>
         <p:spPr>
           <a:xfrm>
-            <a:off x="2912452" y="1887951"/>
-            <a:ext cx="205121" cy="0"/>
+            <a:off x="2916585" y="1887682"/>
+            <a:ext cx="200988" cy="269"/>
           </a:xfrm>
           <a:prstGeom prst="line">
             <a:avLst/>
@@ -5580,8 +5580,8 @@
         </p:nvCxnSpPr>
         <p:spPr>
           <a:xfrm>
-            <a:off x="2436882" y="2071684"/>
-            <a:ext cx="4133" cy="396285"/>
+            <a:off x="2441015" y="2071415"/>
+            <a:ext cx="0" cy="396554"/>
           </a:xfrm>
           <a:prstGeom prst="line">
             <a:avLst/>
@@ -6111,14 +6111,14 @@
           <a:p>
             <a:pPr algn="ctr"/>
             <a:r>
-              <a:rPr lang="ko-KR" altLang="en-US" sz="1000" dirty="0" smtClean="0">
+              <a:rPr lang="ko-KR" altLang="en-US" sz="1000" b="1" u="sng" dirty="0" smtClean="0">
                 <a:solidFill>
                   <a:schemeClr val="tx1"/>
                 </a:solidFill>
               </a:rPr>
               <a:t>일련번호</a:t>
             </a:r>
-            <a:endParaRPr lang="ko-KR" altLang="en-US" sz="1000" dirty="0">
+            <a:endParaRPr lang="ko-KR" altLang="en-US" sz="1000" b="1" u="sng" dirty="0">
               <a:solidFill>
                 <a:schemeClr val="tx1"/>
               </a:solidFill>
@@ -6247,14 +6247,14 @@
           <a:p>
             <a:pPr algn="ctr"/>
             <a:r>
-              <a:rPr lang="ko-KR" altLang="en-US" sz="1000" dirty="0" err="1" smtClean="0">
+              <a:rPr lang="ko-KR" altLang="en-US" sz="1000" b="1" u="sng" dirty="0" err="1" smtClean="0">
                 <a:solidFill>
                   <a:schemeClr val="tx1"/>
                 </a:solidFill>
               </a:rPr>
               <a:t>글번호</a:t>
             </a:r>
-            <a:endParaRPr lang="ko-KR" altLang="en-US" sz="1000" dirty="0">
+            <a:endParaRPr lang="ko-KR" altLang="en-US" sz="1000" b="1" u="sng" dirty="0">
               <a:solidFill>
                 <a:schemeClr val="tx1"/>
               </a:solidFill>
@@ -6733,14 +6733,14 @@
           <a:p>
             <a:pPr algn="ctr"/>
             <a:r>
-              <a:rPr lang="ko-KR" altLang="en-US" sz="1000" dirty="0" err="1" smtClean="0">
+              <a:rPr lang="ko-KR" altLang="en-US" sz="1000" b="1" u="sng" dirty="0" err="1" smtClean="0">
                 <a:solidFill>
                   <a:schemeClr val="tx1"/>
                 </a:solidFill>
               </a:rPr>
               <a:t>글번호</a:t>
             </a:r>
-            <a:endParaRPr lang="ko-KR" altLang="en-US" sz="1000" dirty="0">
+            <a:endParaRPr lang="ko-KR" altLang="en-US" sz="1000" b="1" u="sng" dirty="0">
               <a:solidFill>
                 <a:schemeClr val="tx1"/>
               </a:solidFill>
@@ -6870,7 +6870,7 @@
                   <a:schemeClr val="tx1"/>
                 </a:solidFill>
               </a:rPr>
-              <a:t>글유형</a:t>
+              <a:t>댓글</a:t>
             </a:r>
             <a:endParaRPr lang="ko-KR" altLang="en-US" sz="1000" dirty="0">
               <a:solidFill>
@@ -7117,14 +7117,14 @@
           <a:p>
             <a:pPr algn="ctr"/>
             <a:r>
-              <a:rPr lang="ko-KR" altLang="en-US" sz="1000" dirty="0" smtClean="0">
+              <a:rPr lang="ko-KR" altLang="en-US" sz="1000" b="1" u="sng" dirty="0" smtClean="0">
                 <a:solidFill>
                   <a:schemeClr val="tx1"/>
                 </a:solidFill>
               </a:rPr>
               <a:t>예매번호</a:t>
             </a:r>
-            <a:endParaRPr lang="ko-KR" altLang="en-US" sz="1000" dirty="0">
+            <a:endParaRPr lang="ko-KR" altLang="en-US" sz="1000" b="1" u="sng" dirty="0">
               <a:solidFill>
                 <a:schemeClr val="tx1"/>
               </a:solidFill>
@@ -7177,14 +7177,14 @@
           <a:p>
             <a:pPr algn="ctr"/>
             <a:r>
-              <a:rPr lang="ko-KR" altLang="en-US" sz="1000" dirty="0" smtClean="0">
+              <a:rPr lang="ko-KR" altLang="en-US" sz="1000" b="1" u="sng" dirty="0" smtClean="0">
                 <a:solidFill>
                   <a:schemeClr val="tx1"/>
                 </a:solidFill>
               </a:rPr>
               <a:t>열차호수</a:t>
             </a:r>
-            <a:endParaRPr lang="ko-KR" altLang="en-US" sz="1000" dirty="0">
+            <a:endParaRPr lang="ko-KR" altLang="en-US" sz="1000" b="1" u="sng" dirty="0">
               <a:solidFill>
                 <a:schemeClr val="tx1"/>
               </a:solidFill>
@@ -7501,6 +7501,80 @@
                 </a:solidFill>
               </a:rPr>
               <a:t>글공개여부</a:t>
+            </a:r>
+            <a:endParaRPr lang="ko-KR" altLang="en-US" sz="1000" dirty="0">
+              <a:solidFill>
+                <a:schemeClr val="tx1"/>
+              </a:solidFill>
+            </a:endParaRPr>
+          </a:p>
+        </p:txBody>
+      </p:sp>
+      <p:sp>
+        <p:nvSpPr>
+          <p:cNvPr id="82" name="타원 81"/>
+          <p:cNvSpPr/>
+          <p:nvPr/>
+        </p:nvSpPr>
+        <p:spPr>
+          <a:xfrm>
+            <a:off x="2455526" y="6264071"/>
+            <a:ext cx="726191" cy="524947"/>
+          </a:xfrm>
+          <a:prstGeom prst="ellipse">
+            <a:avLst/>
+          </a:prstGeom>
+          <a:solidFill>
+            <a:schemeClr val="accent6">
+              <a:lumMod val="60000"/>
+              <a:lumOff val="40000"/>
+            </a:schemeClr>
+          </a:solidFill>
+          <a:ln>
+            <a:solidFill>
+              <a:schemeClr val="accent6">
+                <a:lumMod val="60000"/>
+                <a:lumOff val="40000"/>
+              </a:schemeClr>
+            </a:solidFill>
+          </a:ln>
+        </p:spPr>
+        <p:style>
+          <a:lnRef idx="2">
+            <a:schemeClr val="accent1">
+              <a:shade val="50000"/>
+            </a:schemeClr>
+          </a:lnRef>
+          <a:fillRef idx="1">
+            <a:schemeClr val="accent1"/>
+          </a:fillRef>
+          <a:effectRef idx="0">
+            <a:schemeClr val="accent1"/>
+          </a:effectRef>
+          <a:fontRef idx="minor">
+            <a:schemeClr val="lt1"/>
+          </a:fontRef>
+        </p:style>
+        <p:txBody>
+          <a:bodyPr rtlCol="0" anchor="ctr"/>
+          <a:lstStyle/>
+          <a:p>
+            <a:pPr algn="ctr"/>
+            <a:r>
+              <a:rPr lang="ko-KR" altLang="en-US" sz="1000" dirty="0" err="1" smtClean="0">
+                <a:solidFill>
+                  <a:schemeClr val="tx1"/>
+                </a:solidFill>
+              </a:rPr>
+              <a:t>게시</a:t>
+            </a:r>
+            <a:r>
+              <a:rPr lang="ko-KR" altLang="en-US" sz="1000" dirty="0" err="1">
+                <a:solidFill>
+                  <a:schemeClr val="tx1"/>
+                </a:solidFill>
+              </a:rPr>
+              <a:t>글</a:t>
             </a:r>
             <a:endParaRPr lang="ko-KR" altLang="en-US" sz="1000" dirty="0">
               <a:solidFill>

--- a/ProjectDoc/개체관계도_송도윤.pptx
+++ b/ProjectDoc/개체관계도_송도윤.pptx
@@ -6247,14 +6247,14 @@
           <a:p>
             <a:pPr algn="ctr"/>
             <a:r>
-              <a:rPr lang="ko-KR" altLang="en-US" sz="1000" b="1" u="sng" dirty="0" err="1" smtClean="0">
+              <a:rPr lang="ko-KR" altLang="en-US" sz="1000" dirty="0" smtClean="0">
                 <a:solidFill>
                   <a:schemeClr val="tx1"/>
                 </a:solidFill>
               </a:rPr>
-              <a:t>글번호</a:t>
-            </a:r>
-            <a:endParaRPr lang="ko-KR" altLang="en-US" sz="1000" b="1" u="sng" dirty="0">
+              <a:t>사원명</a:t>
+            </a:r>
+            <a:endParaRPr lang="ko-KR" altLang="en-US" sz="1000" dirty="0">
               <a:solidFill>
                 <a:schemeClr val="tx1"/>
               </a:solidFill>
@@ -7260,7 +7260,7 @@
         </p:nvSpPr>
         <p:spPr>
           <a:xfrm>
-            <a:off x="4959001" y="5309686"/>
+            <a:off x="5023693" y="5876061"/>
             <a:ext cx="726191" cy="524947"/>
           </a:xfrm>
           <a:prstGeom prst="ellipse">
@@ -7302,7 +7302,7 @@
                   <a:schemeClr val="tx1"/>
                 </a:solidFill>
               </a:rPr>
-              <a:t>사원등급</a:t>
+              <a:t>사원명</a:t>
             </a:r>
             <a:endParaRPr lang="ko-KR" altLang="en-US" sz="1000" dirty="0">
               <a:solidFill>
@@ -7577,6 +7577,126 @@
               <a:t>글</a:t>
             </a:r>
             <a:endParaRPr lang="ko-KR" altLang="en-US" sz="1000" dirty="0">
+              <a:solidFill>
+                <a:schemeClr val="tx1"/>
+              </a:solidFill>
+            </a:endParaRPr>
+          </a:p>
+        </p:txBody>
+      </p:sp>
+      <p:sp>
+        <p:nvSpPr>
+          <p:cNvPr id="88" name="타원 87"/>
+          <p:cNvSpPr/>
+          <p:nvPr/>
+        </p:nvSpPr>
+        <p:spPr>
+          <a:xfrm>
+            <a:off x="4996090" y="5309686"/>
+            <a:ext cx="726191" cy="524947"/>
+          </a:xfrm>
+          <a:prstGeom prst="ellipse">
+            <a:avLst/>
+          </a:prstGeom>
+          <a:solidFill>
+            <a:srgbClr val="FF7C80"/>
+          </a:solidFill>
+          <a:ln>
+            <a:solidFill>
+              <a:srgbClr val="FF7C80"/>
+            </a:solidFill>
+          </a:ln>
+        </p:spPr>
+        <p:style>
+          <a:lnRef idx="2">
+            <a:schemeClr val="accent1">
+              <a:shade val="50000"/>
+            </a:schemeClr>
+          </a:lnRef>
+          <a:fillRef idx="1">
+            <a:schemeClr val="accent1"/>
+          </a:fillRef>
+          <a:effectRef idx="0">
+            <a:schemeClr val="accent1"/>
+          </a:effectRef>
+          <a:fontRef idx="minor">
+            <a:schemeClr val="lt1"/>
+          </a:fontRef>
+        </p:style>
+        <p:txBody>
+          <a:bodyPr rtlCol="0" anchor="ctr"/>
+          <a:lstStyle/>
+          <a:p>
+            <a:pPr algn="ctr"/>
+            <a:r>
+              <a:rPr lang="ko-KR" altLang="en-US" sz="1000" dirty="0" smtClean="0">
+                <a:solidFill>
+                  <a:schemeClr val="tx1"/>
+                </a:solidFill>
+              </a:rPr>
+              <a:t>사원등급</a:t>
+            </a:r>
+            <a:endParaRPr lang="ko-KR" altLang="en-US" sz="1000" dirty="0">
+              <a:solidFill>
+                <a:schemeClr val="tx1"/>
+              </a:solidFill>
+            </a:endParaRPr>
+          </a:p>
+        </p:txBody>
+      </p:sp>
+      <p:sp>
+        <p:nvSpPr>
+          <p:cNvPr id="97" name="타원 96"/>
+          <p:cNvSpPr/>
+          <p:nvPr/>
+        </p:nvSpPr>
+        <p:spPr>
+          <a:xfrm>
+            <a:off x="7982890" y="2413796"/>
+            <a:ext cx="726191" cy="524947"/>
+          </a:xfrm>
+          <a:prstGeom prst="ellipse">
+            <a:avLst/>
+          </a:prstGeom>
+          <a:solidFill>
+            <a:srgbClr val="92D050"/>
+          </a:solidFill>
+          <a:ln>
+            <a:solidFill>
+              <a:srgbClr val="92D050"/>
+            </a:solidFill>
+          </a:ln>
+        </p:spPr>
+        <p:style>
+          <a:lnRef idx="2">
+            <a:schemeClr val="accent1">
+              <a:shade val="50000"/>
+            </a:schemeClr>
+          </a:lnRef>
+          <a:fillRef idx="1">
+            <a:schemeClr val="accent1"/>
+          </a:fillRef>
+          <a:effectRef idx="0">
+            <a:schemeClr val="accent1"/>
+          </a:effectRef>
+          <a:fontRef idx="minor">
+            <a:schemeClr val="lt1"/>
+          </a:fontRef>
+        </p:style>
+        <p:txBody>
+          <a:bodyPr rtlCol="0" anchor="ctr"/>
+          <a:lstStyle/>
+          <a:p>
+            <a:pPr algn="ctr"/>
+            <a:r>
+              <a:rPr lang="ko-KR" altLang="en-US" sz="1000" b="1" u="sng" dirty="0" err="1" smtClean="0">
+                <a:solidFill>
+                  <a:schemeClr val="tx1"/>
+                </a:solidFill>
+              </a:rPr>
+              <a:t>글번호</a:t>
+            </a:r>
+            <a:endParaRPr lang="ko-KR" altLang="en-US" sz="1000" b="1" u="sng" dirty="0">
               <a:solidFill>
                 <a:schemeClr val="tx1"/>
               </a:solidFill>

--- a/ProjectDoc/개체관계도_송도윤.pptx
+++ b/ProjectDoc/개체관계도_송도윤.pptx
@@ -6870,7 +6870,7 @@
                   <a:schemeClr val="tx1"/>
                 </a:solidFill>
               </a:rPr>
-              <a:t>댓글</a:t>
+              <a:t>댓글여부</a:t>
             </a:r>
             <a:endParaRPr lang="ko-KR" altLang="en-US" sz="1000" dirty="0">
               <a:solidFill>
@@ -7561,20 +7561,12 @@
           <a:p>
             <a:pPr algn="ctr"/>
             <a:r>
-              <a:rPr lang="ko-KR" altLang="en-US" sz="1000" dirty="0" err="1" smtClean="0">
+              <a:rPr lang="ko-KR" altLang="en-US" sz="1000" smtClean="0">
                 <a:solidFill>
                   <a:schemeClr val="tx1"/>
                 </a:solidFill>
               </a:rPr>
-              <a:t>게시</a:t>
-            </a:r>
-            <a:r>
-              <a:rPr lang="ko-KR" altLang="en-US" sz="1000" dirty="0" err="1">
-                <a:solidFill>
-                  <a:schemeClr val="tx1"/>
-                </a:solidFill>
-              </a:rPr>
-              <a:t>글</a:t>
+              <a:t>게시글번호</a:t>
             </a:r>
             <a:endParaRPr lang="ko-KR" altLang="en-US" sz="1000" dirty="0">
               <a:solidFill>
